--- a/TinkerCad-Project/MPCALAB_F1_343_348-ppt.pptx
+++ b/TinkerCad-Project/MPCALAB_F1_343_348-ppt.pptx
@@ -319,7 +319,7 @@
           <a:p>
             <a:fld id="{6B2AB57C-8DC7-4266-BCEB-48FBDEE46450}" type="datetimeFigureOut">
               <a:rPr lang="en-IN" smtClean="0"/>
-              <a:t>20-04-2021</a:t>
+              <a:t>21-04-2021</a:t>
             </a:fld>
             <a:endParaRPr lang="en-IN"/>
           </a:p>
@@ -517,7 +517,7 @@
           <a:p>
             <a:fld id="{6B2AB57C-8DC7-4266-BCEB-48FBDEE46450}" type="datetimeFigureOut">
               <a:rPr lang="en-IN" smtClean="0"/>
-              <a:t>20-04-2021</a:t>
+              <a:t>21-04-2021</a:t>
             </a:fld>
             <a:endParaRPr lang="en-IN"/>
           </a:p>
@@ -692,7 +692,7 @@
           <a:p>
             <a:fld id="{6B2AB57C-8DC7-4266-BCEB-48FBDEE46450}" type="datetimeFigureOut">
               <a:rPr lang="en-IN" smtClean="0"/>
-              <a:t>20-04-2021</a:t>
+              <a:t>21-04-2021</a:t>
             </a:fld>
             <a:endParaRPr lang="en-IN"/>
           </a:p>
@@ -855,7 +855,7 @@
           <a:p>
             <a:fld id="{6B2AB57C-8DC7-4266-BCEB-48FBDEE46450}" type="datetimeFigureOut">
               <a:rPr lang="en-IN" smtClean="0"/>
-              <a:t>20-04-2021</a:t>
+              <a:t>21-04-2021</a:t>
             </a:fld>
             <a:endParaRPr lang="en-IN"/>
           </a:p>
@@ -1103,7 +1103,7 @@
           <a:p>
             <a:fld id="{6B2AB57C-8DC7-4266-BCEB-48FBDEE46450}" type="datetimeFigureOut">
               <a:rPr lang="en-IN" smtClean="0"/>
-              <a:t>20-04-2021</a:t>
+              <a:t>21-04-2021</a:t>
             </a:fld>
             <a:endParaRPr lang="en-IN"/>
           </a:p>
@@ -1420,7 +1420,7 @@
           <a:p>
             <a:fld id="{6B2AB57C-8DC7-4266-BCEB-48FBDEE46450}" type="datetimeFigureOut">
               <a:rPr lang="en-IN" smtClean="0"/>
-              <a:t>20-04-2021</a:t>
+              <a:t>21-04-2021</a:t>
             </a:fld>
             <a:endParaRPr lang="en-IN"/>
           </a:p>
@@ -1886,7 +1886,7 @@
           <a:p>
             <a:fld id="{6B2AB57C-8DC7-4266-BCEB-48FBDEE46450}" type="datetimeFigureOut">
               <a:rPr lang="en-IN" smtClean="0"/>
-              <a:t>20-04-2021</a:t>
+              <a:t>21-04-2021</a:t>
             </a:fld>
             <a:endParaRPr lang="en-IN"/>
           </a:p>
@@ -2033,7 +2033,7 @@
           <a:p>
             <a:fld id="{6B2AB57C-8DC7-4266-BCEB-48FBDEE46450}" type="datetimeFigureOut">
               <a:rPr lang="en-IN" smtClean="0"/>
-              <a:t>20-04-2021</a:t>
+              <a:t>21-04-2021</a:t>
             </a:fld>
             <a:endParaRPr lang="en-IN"/>
           </a:p>
@@ -2123,7 +2123,7 @@
           <a:p>
             <a:fld id="{6B2AB57C-8DC7-4266-BCEB-48FBDEE46450}" type="datetimeFigureOut">
               <a:rPr lang="en-IN" smtClean="0"/>
-              <a:t>20-04-2021</a:t>
+              <a:t>21-04-2021</a:t>
             </a:fld>
             <a:endParaRPr lang="en-IN"/>
           </a:p>
@@ -2397,7 +2397,7 @@
           <a:p>
             <a:fld id="{6B2AB57C-8DC7-4266-BCEB-48FBDEE46450}" type="datetimeFigureOut">
               <a:rPr lang="en-IN" smtClean="0"/>
-              <a:t>20-04-2021</a:t>
+              <a:t>21-04-2021</a:t>
             </a:fld>
             <a:endParaRPr lang="en-IN"/>
           </a:p>
@@ -2702,7 +2702,7 @@
           <a:p>
             <a:fld id="{6B2AB57C-8DC7-4266-BCEB-48FBDEE46450}" type="datetimeFigureOut">
               <a:rPr lang="en-IN" smtClean="0"/>
-              <a:t>20-04-2021</a:t>
+              <a:t>21-04-2021</a:t>
             </a:fld>
             <a:endParaRPr lang="en-IN"/>
           </a:p>
@@ -3000,7 +3000,7 @@
           <a:p>
             <a:fld id="{6B2AB57C-8DC7-4266-BCEB-48FBDEE46450}" type="datetimeFigureOut">
               <a:rPr lang="en-IN" smtClean="0"/>
-              <a:t>20-04-2021</a:t>
+              <a:t>21-04-2021</a:t>
             </a:fld>
             <a:endParaRPr lang="en-IN"/>
           </a:p>
@@ -3489,7 +3489,15 @@
             </a:r>
             <a:r>
               <a:rPr lang="en-IN" b="1" dirty="0"/>
-              <a:t>: Pranav R. Hegde &amp; Prateek P</a:t>
+              <a:t>: Pranav R. Hegde &amp; </a:t>
+            </a:r>
+            <a:r>
+              <a:rPr lang="en-IN" b="1" dirty="0" err="1"/>
+              <a:t>Pratheek</a:t>
+            </a:r>
+            <a:r>
+              <a:rPr lang="en-IN" b="1" dirty="0"/>
+              <a:t> P</a:t>
             </a:r>
           </a:p>
           <a:p>
